--- a/BancoDeDados/Modelagem de Dados.pptx
+++ b/BancoDeDados/Modelagem de Dados.pptx
@@ -180,10 +180,6 @@
 </p:presentation>
 </file>
 
-<file path=ppt/revisionInfo.xml><?xml version="1.0" encoding="utf-8"?>
-<p1510:revInfo xmlns:a="http://schemas.openxmlformats.org/drawingml/2006/main" xmlns:r="http://schemas.openxmlformats.org/officeDocument/2006/relationships" xmlns:p1510="http://schemas.microsoft.com/office/powerpoint/2015/10/main"/>
-</file>
-
 <file path=ppt/handoutMasters/handoutMaster1.xml><?xml version="1.0" encoding="utf-8"?>
 <p:handoutMaster xmlns:a="http://schemas.openxmlformats.org/drawingml/2006/main" xmlns:r="http://schemas.openxmlformats.org/officeDocument/2006/relationships" xmlns:p="http://schemas.openxmlformats.org/presentationml/2006/main">
   <p:cSld>
@@ -269,7 +265,7 @@
             <a:fld id="{93E36956-3452-45FD-A1D8-3574743558BA}" type="datetime1">
               <a:rPr lang="pt-BR" smtClean="0"/>
               <a:pPr algn="r" rtl="0"/>
-              <a:t>07/01/2019</a:t>
+              <a:t>18/02/2019</a:t>
             </a:fld>
             <a:endParaRPr lang="pt-BR" dirty="0"/>
           </a:p>
@@ -439,7 +435,7 @@
             <a:fld id="{22C183F4-168E-4576-AC99-60635C2E1F1D}" type="datetime1">
               <a:rPr lang="pt-BR" noProof="0" smtClean="0"/>
               <a:pPr/>
-              <a:t>07/01/2019</a:t>
+              <a:t>18/02/2019</a:t>
             </a:fld>
             <a:endParaRPr lang="pt-BR" noProof="0" dirty="0"/>
           </a:p>
@@ -1049,7 +1045,7 @@
             <a:fld id="{E67FE631-0B6D-4712-BEFD-FF38CEB37A4A}" type="datetime1">
               <a:rPr lang="pt-BR" noProof="0" smtClean="0"/>
               <a:pPr/>
-              <a:t>07/01/2019</a:t>
+              <a:t>18/02/2019</a:t>
             </a:fld>
             <a:endParaRPr lang="pt-BR" noProof="0" dirty="0"/>
           </a:p>
@@ -1253,7 +1249,7 @@
             <a:fld id="{E9DA96DE-A078-4676-8F38-EBC20B81DF35}" type="datetime1">
               <a:rPr lang="pt-BR" noProof="0" smtClean="0"/>
               <a:pPr/>
-              <a:t>07/01/2019</a:t>
+              <a:t>18/02/2019</a:t>
             </a:fld>
             <a:endParaRPr lang="pt-BR" noProof="0" dirty="0"/>
           </a:p>
@@ -1454,7 +1450,7 @@
             <a:fld id="{9211769B-D019-4A86-8334-0A9D6D419A60}" type="datetime1">
               <a:rPr lang="pt-BR" noProof="0" smtClean="0"/>
               <a:pPr/>
-              <a:t>07/01/2019</a:t>
+              <a:t>18/02/2019</a:t>
             </a:fld>
             <a:endParaRPr lang="pt-BR" noProof="0" dirty="0"/>
           </a:p>
@@ -1742,7 +1738,7 @@
             <a:fld id="{5A5EA5BE-0305-48F1-B45B-3F07AA1244A2}" type="datetime1">
               <a:rPr lang="pt-BR" noProof="0" smtClean="0"/>
               <a:pPr/>
-              <a:t>07/01/2019</a:t>
+              <a:t>18/02/2019</a:t>
             </a:fld>
             <a:endParaRPr lang="pt-BR" noProof="0" dirty="0"/>
           </a:p>
@@ -2058,7 +2054,7 @@
             <a:fld id="{DC2D1C76-DED1-4BE0-8F34-1641B8636BA4}" type="datetime1">
               <a:rPr lang="pt-BR" noProof="0" smtClean="0"/>
               <a:pPr/>
-              <a:t>07/01/2019</a:t>
+              <a:t>18/02/2019</a:t>
             </a:fld>
             <a:endParaRPr lang="pt-BR" noProof="0" dirty="0"/>
           </a:p>
@@ -2525,7 +2521,7 @@
             <a:fld id="{E6C98F49-77D6-4D48-BB68-E4DB33EE5B06}" type="datetime1">
               <a:rPr lang="pt-BR" noProof="0" smtClean="0"/>
               <a:pPr/>
-              <a:t>07/01/2019</a:t>
+              <a:t>18/02/2019</a:t>
             </a:fld>
             <a:endParaRPr lang="pt-BR" noProof="0" dirty="0"/>
           </a:p>
@@ -2667,7 +2663,7 @@
             <a:fld id="{9F379B94-F7A6-4BC6-8A31-032F8D94B5BD}" type="datetime1">
               <a:rPr lang="pt-BR" noProof="0" smtClean="0"/>
               <a:pPr/>
-              <a:t>07/01/2019</a:t>
+              <a:t>18/02/2019</a:t>
             </a:fld>
             <a:endParaRPr lang="pt-BR" noProof="0" dirty="0"/>
           </a:p>
@@ -2789,7 +2785,7 @@
             <a:fld id="{435DBF44-9F2F-4201-8CE2-C12E521BC56C}" type="datetime1">
               <a:rPr lang="pt-BR" noProof="0" smtClean="0"/>
               <a:pPr/>
-              <a:t>07/01/2019</a:t>
+              <a:t>18/02/2019</a:t>
             </a:fld>
             <a:endParaRPr lang="pt-BR" noProof="0" dirty="0"/>
           </a:p>
@@ -3119,7 +3115,7 @@
             <a:fld id="{4BAD7B4B-23CA-4460-862D-E2D3E21E1E07}" type="datetime1">
               <a:rPr lang="pt-BR" noProof="0" smtClean="0"/>
               <a:pPr/>
-              <a:t>07/01/2019</a:t>
+              <a:t>18/02/2019</a:t>
             </a:fld>
             <a:endParaRPr lang="pt-BR" noProof="0" dirty="0"/>
           </a:p>
@@ -3439,7 +3435,7 @@
             <a:fld id="{12F45EDE-4BCD-4C98-AD18-04AAF5D19C9A}" type="datetime1">
               <a:rPr lang="pt-BR" noProof="0" smtClean="0"/>
               <a:pPr/>
-              <a:t>07/01/2019</a:t>
+              <a:t>18/02/2019</a:t>
             </a:fld>
             <a:endParaRPr lang="pt-BR" noProof="0" dirty="0"/>
           </a:p>
@@ -3676,7 +3672,7 @@
             <a:fld id="{B8E951F9-CFF6-4C18-A9A8-D5A0842ABF9A}" type="datetime1">
               <a:rPr lang="pt-BR" noProof="0" smtClean="0"/>
               <a:pPr/>
-              <a:t>07/01/2019</a:t>
+              <a:t>18/02/2019</a:t>
             </a:fld>
             <a:endParaRPr lang="pt-BR" noProof="0" dirty="0"/>
           </a:p>
@@ -9486,15 +9482,7 @@
             </a:r>
             <a:r>
               <a:rPr lang="en-US" sz="2401" dirty="0"/>
-              <a:t> para </a:t>
-            </a:r>
-            <a:r>
-              <a:rPr lang="en-US" sz="2401" dirty="0" err="1"/>
-              <a:t>que</a:t>
-            </a:r>
-            <a:r>
-              <a:rPr lang="en-US" sz="2401" dirty="0"/>
-              <a:t> um </a:t>
+              <a:t> para que um </a:t>
             </a:r>
             <a:r>
               <a:rPr lang="en-US" sz="2401" dirty="0" err="1"/>
@@ -9510,7 +9498,15 @@
             </a:r>
             <a:r>
               <a:rPr lang="en-US" sz="2401" dirty="0"/>
-              <a:t> construer o banco de dados de </a:t>
+              <a:t> </a:t>
+            </a:r>
+            <a:r>
+              <a:rPr lang="en-US" sz="2401" dirty="0" err="1"/>
+              <a:t>construir</a:t>
+            </a:r>
+            <a:r>
+              <a:rPr lang="en-US" sz="2401" dirty="0"/>
+              <a:t> o banco de dados de </a:t>
             </a:r>
             <a:r>
               <a:rPr lang="en-US" sz="2401" dirty="0" err="1"/>
@@ -21226,7 +21222,7 @@
         </p:nvGraphicFramePr>
         <p:xfrm>
           <a:off x="549940" y="1268197"/>
-          <a:ext cx="7233176" cy="1483746"/>
+          <a:ext cx="7233175" cy="1483748"/>
         </p:xfrm>
         <a:graphic>
           <a:graphicData uri="http://schemas.openxmlformats.org/drawingml/2006/table">
@@ -21238,21 +21234,21 @@
                 <a:gridCol w="2988330">
                   <a:extLst>
                     <a:ext uri="{9D8B030D-6E8A-4147-A177-3AD203B41FA5}">
-                      <a16:colId xmlns="" xmlns:a16="http://schemas.microsoft.com/office/drawing/2014/main" val="20000"/>
+                      <a16:colId xmlns:a16="http://schemas.microsoft.com/office/drawing/2014/main" val="20000"/>
                     </a:ext>
                   </a:extLst>
                 </a:gridCol>
                 <a:gridCol w="2804629">
                   <a:extLst>
                     <a:ext uri="{9D8B030D-6E8A-4147-A177-3AD203B41FA5}">
-                      <a16:colId xmlns="" xmlns:a16="http://schemas.microsoft.com/office/drawing/2014/main" val="20001"/>
+                      <a16:colId xmlns:a16="http://schemas.microsoft.com/office/drawing/2014/main" val="20001"/>
                     </a:ext>
                   </a:extLst>
                 </a:gridCol>
                 <a:gridCol w="1440216">
                   <a:extLst>
                     <a:ext uri="{9D8B030D-6E8A-4147-A177-3AD203B41FA5}">
-                      <a16:colId xmlns="" xmlns:a16="http://schemas.microsoft.com/office/drawing/2014/main" val="20002"/>
+                      <a16:colId xmlns:a16="http://schemas.microsoft.com/office/drawing/2014/main" val="20002"/>
                     </a:ext>
                   </a:extLst>
                 </a:gridCol>
@@ -21299,7 +21295,7 @@
                 </a:tc>
                 <a:extLst>
                   <a:ext uri="{0D108BD9-81ED-4DB2-BD59-A6C34878D82A}">
-                    <a16:rowId xmlns="" xmlns:a16="http://schemas.microsoft.com/office/drawing/2014/main" val="10000"/>
+                    <a16:rowId xmlns:a16="http://schemas.microsoft.com/office/drawing/2014/main" val="10000"/>
                   </a:ext>
                 </a:extLst>
               </a:tr>
@@ -21346,7 +21342,7 @@
                 </a:tc>
                 <a:extLst>
                   <a:ext uri="{0D108BD9-81ED-4DB2-BD59-A6C34878D82A}">
-                    <a16:rowId xmlns="" xmlns:a16="http://schemas.microsoft.com/office/drawing/2014/main" val="10001"/>
+                    <a16:rowId xmlns:a16="http://schemas.microsoft.com/office/drawing/2014/main" val="10001"/>
                   </a:ext>
                 </a:extLst>
               </a:tr>
@@ -21393,7 +21389,7 @@
                 </a:tc>
                 <a:extLst>
                   <a:ext uri="{0D108BD9-81ED-4DB2-BD59-A6C34878D82A}">
-                    <a16:rowId xmlns="" xmlns:a16="http://schemas.microsoft.com/office/drawing/2014/main" val="10002"/>
+                    <a16:rowId xmlns:a16="http://schemas.microsoft.com/office/drawing/2014/main" val="10002"/>
                   </a:ext>
                 </a:extLst>
               </a:tr>
@@ -21439,7 +21435,7 @@
                 </a:tc>
                 <a:extLst>
                   <a:ext uri="{0D108BD9-81ED-4DB2-BD59-A6C34878D82A}">
-                    <a16:rowId xmlns="" xmlns:a16="http://schemas.microsoft.com/office/drawing/2014/main" val="10003"/>
+                    <a16:rowId xmlns:a16="http://schemas.microsoft.com/office/drawing/2014/main" val="10003"/>
                   </a:ext>
                 </a:extLst>
               </a:tr>
@@ -24814,15 +24810,7 @@
             </a:r>
             <a:r>
               <a:rPr lang="en-US" sz="2401" dirty="0"/>
-              <a:t> </a:t>
-            </a:r>
-            <a:r>
-              <a:rPr lang="en-US" sz="2401" dirty="0" err="1"/>
-              <a:t>aplicações</a:t>
-            </a:r>
-            <a:r>
-              <a:rPr lang="en-US" sz="2401" dirty="0"/>
-              <a:t> </a:t>
+              <a:t> aplicações </a:t>
             </a:r>
             <a:r>
               <a:rPr lang="en-US" sz="2401" dirty="0" err="1"/>
@@ -26133,23 +26121,7 @@
             </a:r>
             <a:r>
               <a:rPr lang="en-US" sz="2401" dirty="0"/>
-              <a:t> de dados, SGDBs e as </a:t>
-            </a:r>
-            <a:r>
-              <a:rPr lang="en-US" sz="2401" dirty="0" err="1"/>
-              <a:t>aplicações</a:t>
-            </a:r>
-            <a:r>
-              <a:rPr lang="en-US" sz="2401" dirty="0"/>
-              <a:t> </a:t>
-            </a:r>
-            <a:r>
-              <a:rPr lang="en-US" sz="2401" dirty="0" err="1"/>
-              <a:t>que</a:t>
-            </a:r>
-            <a:r>
-              <a:rPr lang="en-US" sz="2401" dirty="0"/>
-              <a:t> </a:t>
+              <a:t> de dados, SGDBs e as aplicações que </a:t>
             </a:r>
             <a:r>
               <a:rPr lang="en-US" sz="2401" dirty="0" err="1"/>
@@ -27278,15 +27250,6 @@
 </file>
 
 <file path=customXml/item1.xml><?xml version="1.0" encoding="utf-8"?>
-<?mso-contentType ?>
-<FormTemplates xmlns="http://schemas.microsoft.com/sharepoint/v3/contenttype/forms">
-  <Display>DocumentLibraryForm</Display>
-  <Edit>AssetEditForm</Edit>
-  <New>DocumentLibraryForm</New>
-</FormTemplates>
-</file>
-
-<file path=customXml/item2.xml><?xml version="1.0" encoding="utf-8"?>
 <p:properties xmlns:p="http://schemas.microsoft.com/office/2006/metadata/properties" xmlns:xsi="http://www.w3.org/2001/XMLSchema-instance" xmlns:pc="http://schemas.microsoft.com/office/infopath/2007/PartnerControls">
   <documentManagement>
     <DirectSourceMarket xmlns="4873beb7-5857-4685-be1f-d57550cc96cc" xsi:nil="true"/>
@@ -27411,6 +27374,15 @@
     <LocMarketGroupTiers2 xmlns="4873beb7-5857-4685-be1f-d57550cc96cc" xsi:nil="true"/>
   </documentManagement>
 </p:properties>
+</file>
+
+<file path=customXml/item2.xml><?xml version="1.0" encoding="utf-8"?>
+<?mso-contentType ?>
+<FormTemplates xmlns="http://schemas.microsoft.com/sharepoint/v3/contenttype/forms">
+  <Display>DocumentLibraryForm</Display>
+  <Edit>AssetEditForm</Edit>
+  <New>DocumentLibraryForm</New>
+</FormTemplates>
 </file>
 
 <file path=customXml/item3.xml><?xml version="1.0" encoding="utf-8"?>
@@ -28454,25 +28426,25 @@
 </file>
 
 <file path=customXml/itemProps1.xml><?xml version="1.0" encoding="utf-8"?>
-<ds:datastoreItem xmlns:ds="http://schemas.openxmlformats.org/officeDocument/2006/customXml" ds:itemID="{74228E6B-D70C-44BB-A81F-A245495F612B}">
+<ds:datastoreItem xmlns:ds="http://schemas.openxmlformats.org/officeDocument/2006/customXml" ds:itemID="{00E41224-0370-4595-877C-23316CD80004}">
   <ds:schemaRefs>
-    <ds:schemaRef ds:uri="http://schemas.microsoft.com/sharepoint/v3/contenttype/forms"/>
+    <ds:schemaRef ds:uri="http://schemas.microsoft.com/office/2006/metadata/properties"/>
+    <ds:schemaRef ds:uri="http://purl.org/dc/terms/"/>
+    <ds:schemaRef ds:uri="4873beb7-5857-4685-be1f-d57550cc96cc"/>
+    <ds:schemaRef ds:uri="http://schemas.microsoft.com/office/2006/documentManagement/types"/>
+    <ds:schemaRef ds:uri="http://www.w3.org/XML/1998/namespace"/>
+    <ds:schemaRef ds:uri="http://schemas.microsoft.com/office/infopath/2007/PartnerControls"/>
+    <ds:schemaRef ds:uri="http://purl.org/dc/elements/1.1/"/>
+    <ds:schemaRef ds:uri="http://schemas.openxmlformats.org/package/2006/metadata/core-properties"/>
+    <ds:schemaRef ds:uri="http://purl.org/dc/dcmitype/"/>
   </ds:schemaRefs>
 </ds:datastoreItem>
 </file>
 
 <file path=customXml/itemProps2.xml><?xml version="1.0" encoding="utf-8"?>
-<ds:datastoreItem xmlns:ds="http://schemas.openxmlformats.org/officeDocument/2006/customXml" ds:itemID="{00E41224-0370-4595-877C-23316CD80004}">
+<ds:datastoreItem xmlns:ds="http://schemas.openxmlformats.org/officeDocument/2006/customXml" ds:itemID="{74228E6B-D70C-44BB-A81F-A245495F612B}">
   <ds:schemaRefs>
-    <ds:schemaRef ds:uri="http://schemas.microsoft.com/office/2006/metadata/properties"/>
-    <ds:schemaRef ds:uri="http://schemas.openxmlformats.org/package/2006/metadata/core-properties"/>
-    <ds:schemaRef ds:uri="http://schemas.microsoft.com/office/2006/documentManagement/types"/>
-    <ds:schemaRef ds:uri="http://schemas.microsoft.com/office/infopath/2007/PartnerControls"/>
-    <ds:schemaRef ds:uri="http://purl.org/dc/dcmitype/"/>
-    <ds:schemaRef ds:uri="http://www.w3.org/XML/1998/namespace"/>
-    <ds:schemaRef ds:uri="4873beb7-5857-4685-be1f-d57550cc96cc"/>
-    <ds:schemaRef ds:uri="http://purl.org/dc/terms/"/>
-    <ds:schemaRef ds:uri="http://purl.org/dc/elements/1.1/"/>
+    <ds:schemaRef ds:uri="http://schemas.microsoft.com/sharepoint/v3/contenttype/forms"/>
   </ds:schemaRefs>
 </ds:datastoreItem>
 </file>
